--- a/04 - PO/UML/0. Traduire UML en CSharp ou Java v1.0.1 ST.pptx
+++ b/04 - PO/UML/0. Traduire UML en CSharp ou Java v1.0.1 ST.pptx
@@ -228,7 +228,7 @@
           <a:p>
             <a:fld id="{FE8B5C04-58D5-47DF-BD99-6E4EBDC7ACF4}" type="datetimeFigureOut">
               <a:rPr lang="fr-FR" smtClean="0"/>
-              <a:t>24/01/2023</a:t>
+              <a:t>29/01/2025</a:t>
             </a:fld>
             <a:endParaRPr lang="fr-FR"/>
           </a:p>
@@ -632,7 +632,7 @@
           <a:p>
             <a:fld id="{E6EEFC8E-C858-4FF4-9846-FA0513F6314A}" type="datetime1">
               <a:rPr lang="fr-FR" smtClean="0"/>
-              <a:t>24/01/2023</a:t>
+              <a:t>29/01/2025</a:t>
             </a:fld>
             <a:endParaRPr lang="fr-FR"/>
           </a:p>
@@ -1501,7 +1501,7 @@
           <a:p>
             <a:fld id="{3291B0B6-FFC9-40C9-9B18-C2798258C96D}" type="datetime1">
               <a:rPr lang="fr-FR" smtClean="0"/>
-              <a:t>24/01/2023</a:t>
+              <a:t>29/01/2025</a:t>
             </a:fld>
             <a:endParaRPr lang="fr-FR"/>
           </a:p>
@@ -1676,7 +1676,7 @@
           <a:p>
             <a:fld id="{644B9BBC-B1DC-444B-9898-CACC8AD00264}" type="datetime1">
               <a:rPr lang="fr-FR" smtClean="0"/>
-              <a:t>24/01/2023</a:t>
+              <a:t>29/01/2025</a:t>
             </a:fld>
             <a:endParaRPr lang="fr-FR"/>
           </a:p>
@@ -1846,7 +1846,7 @@
           <a:p>
             <a:fld id="{567C470B-6246-4EF6-8E3C-74EC9BF6074E}" type="datetime1">
               <a:rPr lang="fr-FR" smtClean="0"/>
-              <a:t>24/01/2023</a:t>
+              <a:t>29/01/2025</a:t>
             </a:fld>
             <a:endParaRPr lang="fr-FR"/>
           </a:p>
@@ -2056,7 +2056,7 @@
           <a:p>
             <a:fld id="{C4472BF8-CF08-472D-8B2E-9602E409C1EC}" type="datetime1">
               <a:rPr lang="fr-FR" smtClean="0"/>
-              <a:t>24/01/2023</a:t>
+              <a:t>29/01/2025</a:t>
             </a:fld>
             <a:endParaRPr lang="fr-FR"/>
           </a:p>
@@ -2870,7 +2870,7 @@
           <a:p>
             <a:fld id="{DB371BCF-7F36-4596-BC3D-B68D245D8614}" type="datetime1">
               <a:rPr lang="fr-FR" smtClean="0"/>
-              <a:t>24/01/2023</a:t>
+              <a:t>29/01/2025</a:t>
             </a:fld>
             <a:endParaRPr lang="fr-FR"/>
           </a:p>
@@ -3106,7 +3106,7 @@
           <a:p>
             <a:fld id="{71E9A873-C43F-45E2-B74B-D007898F0FCC}" type="datetime1">
               <a:rPr lang="fr-FR" smtClean="0"/>
-              <a:t>24/01/2023</a:t>
+              <a:t>29/01/2025</a:t>
             </a:fld>
             <a:endParaRPr lang="fr-FR"/>
           </a:p>
@@ -3429,7 +3429,7 @@
           <a:p>
             <a:fld id="{3DB1C6E6-C28D-465D-B20A-7E1ECEECDBF7}" type="datetime1">
               <a:rPr lang="fr-FR" smtClean="0"/>
-              <a:t>24/01/2023</a:t>
+              <a:t>29/01/2025</a:t>
             </a:fld>
             <a:endParaRPr lang="fr-FR"/>
           </a:p>
@@ -3519,7 +3519,7 @@
           <a:p>
             <a:fld id="{63CDABC1-3461-4362-9D28-514C9C00DE9B}" type="datetime1">
               <a:rPr lang="fr-FR" smtClean="0"/>
-              <a:t>24/01/2023</a:t>
+              <a:t>29/01/2025</a:t>
             </a:fld>
             <a:endParaRPr lang="fr-FR"/>
           </a:p>
@@ -4036,7 +4036,7 @@
           <a:p>
             <a:fld id="{CE9C5CE3-2A3F-423C-8920-8BDC12CE3C91}" type="datetime1">
               <a:rPr lang="fr-FR" smtClean="0"/>
-              <a:t>24/01/2023</a:t>
+              <a:t>29/01/2025</a:t>
             </a:fld>
             <a:endParaRPr lang="fr-FR"/>
           </a:p>
@@ -4547,7 +4547,7 @@
           <a:p>
             <a:fld id="{1674FC5C-39A8-43FA-9D99-F5D343033858}" type="datetime1">
               <a:rPr lang="fr-FR" smtClean="0"/>
-              <a:t>24/01/2023</a:t>
+              <a:t>29/01/2025</a:t>
             </a:fld>
             <a:endParaRPr lang="fr-FR"/>
           </a:p>
@@ -4792,7 +4792,7 @@
           <a:p>
             <a:fld id="{E11D4E45-D647-49D2-83F1-A7D5264FF5B4}" type="datetime1">
               <a:rPr lang="fr-FR" smtClean="0"/>
-              <a:t>24/01/2023</a:t>
+              <a:t>29/01/2025</a:t>
             </a:fld>
             <a:endParaRPr lang="fr-FR"/>
           </a:p>
@@ -5569,7 +5569,7 @@
             </a:pPr>
             <a:r>
               <a:rPr lang="fr-FR" dirty="0"/>
-              <a:t>Afin de préciser de qui hérite une classe, on spécifie le nom du père à coter de la classe fille.</a:t>
+              <a:t>Afin de préciser de qui hérite une classe, on spécifie le nom du père à côté de la classe fille.</a:t>
             </a:r>
           </a:p>
         </p:txBody>
@@ -6278,16 +6278,6 @@
           <a:p>
             <a:pPr lvl="1"/>
             <a:r>
-              <a:rPr lang="fr-FR" dirty="0" err="1">
-                <a:solidFill>
-                  <a:schemeClr val="accent2">
-                    <a:lumMod val="75000"/>
-                  </a:schemeClr>
-                </a:solidFill>
-              </a:rPr>
-              <a:t>SortedSet</a:t>
-            </a:r>
-            <a:r>
               <a:rPr lang="fr-FR" dirty="0">
                 <a:solidFill>
                   <a:schemeClr val="accent2">
@@ -6295,7 +6285,7 @@
                   </a:schemeClr>
                 </a:solidFill>
               </a:rPr>
-              <a:t>&lt;T&gt;  </a:t>
+              <a:t>SortedSet&lt;T&gt;  </a:t>
             </a:r>
             <a:r>
               <a:rPr lang="fr-FR" dirty="0"/>
@@ -6304,16 +6294,6 @@
           </a:p>
           <a:p>
             <a:pPr lvl="1"/>
-            <a:r>
-              <a:rPr lang="fr-FR" dirty="0" err="1">
-                <a:solidFill>
-                  <a:schemeClr val="accent2">
-                    <a:lumMod val="75000"/>
-                  </a:schemeClr>
-                </a:solidFill>
-              </a:rPr>
-              <a:t>Dictionary</a:t>
-            </a:r>
             <a:r>
               <a:rPr lang="fr-FR" dirty="0">
                 <a:solidFill>
@@ -6322,27 +6302,7 @@
                   </a:schemeClr>
                 </a:solidFill>
               </a:rPr>
-              <a:t>&lt;</a:t>
-            </a:r>
-            <a:r>
-              <a:rPr lang="fr-FR" dirty="0" err="1">
-                <a:solidFill>
-                  <a:schemeClr val="accent2">
-                    <a:lumMod val="75000"/>
-                  </a:schemeClr>
-                </a:solidFill>
-              </a:rPr>
-              <a:t>Tkey,TValue</a:t>
-            </a:r>
-            <a:r>
-              <a:rPr lang="fr-FR" dirty="0">
-                <a:solidFill>
-                  <a:schemeClr val="accent2">
-                    <a:lumMod val="75000"/>
-                  </a:schemeClr>
-                </a:solidFill>
-              </a:rPr>
-              <a:t>&gt; </a:t>
+              <a:t>Dictionary&lt;Tkey,TValue&gt; </a:t>
             </a:r>
             <a:r>
               <a:rPr lang="fr-FR" dirty="0"/>
@@ -7078,15 +7038,7 @@
           <a:p>
             <a:r>
               <a:rPr lang="fr-FR" dirty="0"/>
-              <a:t>Chaque classe UML devient un fichier .</a:t>
-            </a:r>
-            <a:r>
-              <a:rPr lang="fr-FR" dirty="0" err="1"/>
-              <a:t>cs</a:t>
-            </a:r>
-            <a:r>
-              <a:rPr lang="fr-FR" dirty="0"/>
-              <a:t> (C#) ou .java (Java), mais le stockage peut être différent si le concepteur le souhaite.</a:t>
+              <a:t>Chaque classe UML devient un fichier .cs (C#) ou .java (Java), mais le stockage peut être différent si le concepteur le souhaite.</a:t>
             </a:r>
           </a:p>
         </p:txBody>
@@ -8441,7 +8393,7 @@
           <a:p>
             <a:r>
               <a:rPr lang="fr-FR" dirty="0"/>
-              <a:t>Leur visibilité est définit avec la même convention que les attributs.</a:t>
+              <a:t>Leur visibilité est définie avec la même convention que les attributs.</a:t>
             </a:r>
           </a:p>
           <a:p>
@@ -9628,6 +9580,8 @@
     <ds:schemaRef ds:uri="http://schemas.microsoft.com/office/2006/documentManagement/types"/>
     <ds:schemaRef ds:uri="http://schemas.openxmlformats.org/package/2006/metadata/core-properties"/>
     <ds:schemaRef ds:uri="http://purl.org/dc/dcmitype/"/>
+    <ds:schemaRef ds:uri="66eaceda-cbf3-468d-8b56-0d06245bcac2"/>
+    <ds:schemaRef ds:uri="6080a0f0-b892-4d13-a236-ec5452db6204"/>
   </ds:schemaRefs>
 </ds:datastoreItem>
 </file>
@@ -9641,5 +9595,20 @@
 </file>
 
 <file path=customXml/itemProps3.xml><?xml version="1.0" encoding="utf-8"?>
-<ds:datastoreItem xmlns:ds="http://schemas.openxmlformats.org/officeDocument/2006/customXml" ds:itemID="{06632E90-84D0-46F6-A6D4-E0C6811B0D5F}"/>
+<ds:datastoreItem xmlns:ds="http://schemas.openxmlformats.org/officeDocument/2006/customXml" ds:itemID="{06632E90-84D0-46F6-A6D4-E0C6811B0D5F}">
+  <ds:schemaRefs>
+    <ds:schemaRef ds:uri="http://schemas.microsoft.com/office/2006/metadata/contentType"/>
+    <ds:schemaRef ds:uri="http://schemas.microsoft.com/office/2006/metadata/properties/metaAttributes"/>
+    <ds:schemaRef ds:uri="http://www.w3.org/2001/XMLSchema"/>
+    <ds:schemaRef ds:uri="http://schemas.microsoft.com/office/2006/metadata/properties"/>
+    <ds:schemaRef ds:uri="6080a0f0-b892-4d13-a236-ec5452db6204"/>
+    <ds:schemaRef ds:uri="66eaceda-cbf3-468d-8b56-0d06245bcac2"/>
+    <ds:schemaRef ds:uri="http://schemas.microsoft.com/office/2006/documentManagement/types"/>
+    <ds:schemaRef ds:uri="http://schemas.microsoft.com/office/infopath/2007/PartnerControls"/>
+    <ds:schemaRef ds:uri="http://schemas.openxmlformats.org/package/2006/metadata/core-properties"/>
+    <ds:schemaRef ds:uri="http://purl.org/dc/elements/1.1/"/>
+    <ds:schemaRef ds:uri="http://purl.org/dc/terms/"/>
+    <ds:schemaRef ds:uri="http://schemas.microsoft.com/internal/obd"/>
+  </ds:schemaRefs>
+</ds:datastoreItem>
 </file>
--- a/04 - PO/UML/0. Traduire UML en CSharp ou Java v1.0.1 ST.pptx
+++ b/04 - PO/UML/0. Traduire UML en CSharp ou Java v1.0.1 ST.pptx
@@ -6913,7 +6913,15 @@
           <a:p>
             <a:r>
               <a:rPr lang="fr-FR" dirty="0"/>
-              <a:t>Le codage des agrégations n’est pas fondamentalement différente de celle des associations simples. La seule contrainte est qu’une association ne peut contenir de marque d’agrégation qu’à l’une de ses extrémités. </a:t>
+              <a:t>Le codage des agrégations </a:t>
+            </a:r>
+            <a:r>
+              <a:rPr lang="fr-FR"/>
+              <a:t>n’est pas fondamentalement </a:t>
+            </a:r>
+            <a:r>
+              <a:rPr lang="fr-FR" dirty="0"/>
+              <a:t>différent de celle des associations simples. La seule contrainte est qu’une association ne peut contenir de marque d’agrégation qu’à l’une de ses extrémités. </a:t>
             </a:r>
           </a:p>
           <a:p>
@@ -9338,15 +9346,6 @@
 </file>
 
 <file path=customXml/item2.xml><?xml version="1.0" encoding="utf-8"?>
-<?mso-contentType ?>
-<FormTemplates xmlns="http://schemas.microsoft.com/sharepoint/v3/contenttype/forms">
-  <Display>DocumentLibraryForm</Display>
-  <Edit>DocumentLibraryForm</Edit>
-  <New>DocumentLibraryForm</New>
-</FormTemplates>
-</file>
-
-<file path=customXml/item3.xml><?xml version="1.0" encoding="utf-8"?>
 <ct:contentTypeSchema xmlns:ct="http://schemas.microsoft.com/office/2006/metadata/contentType" xmlns:ma="http://schemas.microsoft.com/office/2006/metadata/properties/metaAttributes" ct:_="" ma:_="" ma:contentTypeName="Document" ma:contentTypeID="0x010100A54D18AFC2ED4A46A0F9BA49ABF7FDFD" ma:contentTypeVersion="13" ma:contentTypeDescription="Crée un document." ma:contentTypeScope="" ma:versionID="feaba2c5717e9f9dc85dc4881b89de5b">
   <xsd:schema xmlns:xsd="http://www.w3.org/2001/XMLSchema" xmlns:xs="http://www.w3.org/2001/XMLSchema" xmlns:p="http://schemas.microsoft.com/office/2006/metadata/properties" xmlns:ns2="6080a0f0-b892-4d13-a236-ec5452db6204" xmlns:ns3="66eaceda-cbf3-468d-8b56-0d06245bcac2" targetNamespace="http://schemas.microsoft.com/office/2006/metadata/properties" ma:root="true" ma:fieldsID="0b5e33d26f4424f18b49e31c91a2c042" ns2:_="" ns3:_="">
     <xsd:import namespace="6080a0f0-b892-4d13-a236-ec5452db6204"/>
@@ -9569,6 +9568,15 @@
 </ct:contentTypeSchema>
 </file>
 
+<file path=customXml/item3.xml><?xml version="1.0" encoding="utf-8"?>
+<?mso-contentType ?>
+<FormTemplates xmlns="http://schemas.microsoft.com/sharepoint/v3/contenttype/forms">
+  <Display>DocumentLibraryForm</Display>
+  <Edit>DocumentLibraryForm</Edit>
+  <New>DocumentLibraryForm</New>
+</FormTemplates>
+</file>
+
 <file path=customXml/itemProps1.xml><?xml version="1.0" encoding="utf-8"?>
 <ds:datastoreItem xmlns:ds="http://schemas.openxmlformats.org/officeDocument/2006/customXml" ds:itemID="{224AA9C6-54BF-4617-91BB-CF4D1541547C}">
   <ds:schemaRefs>
@@ -9587,14 +9595,6 @@
 </file>
 
 <file path=customXml/itemProps2.xml><?xml version="1.0" encoding="utf-8"?>
-<ds:datastoreItem xmlns:ds="http://schemas.openxmlformats.org/officeDocument/2006/customXml" ds:itemID="{EFAAFF9B-D051-433D-96BC-F980BE269D8E}">
-  <ds:schemaRefs>
-    <ds:schemaRef ds:uri="http://schemas.microsoft.com/sharepoint/v3/contenttype/forms"/>
-  </ds:schemaRefs>
-</ds:datastoreItem>
-</file>
-
-<file path=customXml/itemProps3.xml><?xml version="1.0" encoding="utf-8"?>
 <ds:datastoreItem xmlns:ds="http://schemas.openxmlformats.org/officeDocument/2006/customXml" ds:itemID="{06632E90-84D0-46F6-A6D4-E0C6811B0D5F}">
   <ds:schemaRefs>
     <ds:schemaRef ds:uri="http://schemas.microsoft.com/office/2006/metadata/contentType"/>
@@ -9611,4 +9611,12 @@
     <ds:schemaRef ds:uri="http://schemas.microsoft.com/internal/obd"/>
   </ds:schemaRefs>
 </ds:datastoreItem>
+</file>
+
+<file path=customXml/itemProps3.xml><?xml version="1.0" encoding="utf-8"?>
+<ds:datastoreItem xmlns:ds="http://schemas.openxmlformats.org/officeDocument/2006/customXml" ds:itemID="{EFAAFF9B-D051-433D-96BC-F980BE269D8E}">
+  <ds:schemaRefs>
+    <ds:schemaRef ds:uri="http://schemas.microsoft.com/sharepoint/v3/contenttype/forms"/>
+  </ds:schemaRefs>
+</ds:datastoreItem>
 </file>
--- a/04 - PO/UML/0. Traduire UML en CSharp ou Java v1.0.1 ST.pptx
+++ b/04 - PO/UML/0. Traduire UML en CSharp ou Java v1.0.1 ST.pptx
@@ -228,7 +228,7 @@
           <a:p>
             <a:fld id="{FE8B5C04-58D5-47DF-BD99-6E4EBDC7ACF4}" type="datetimeFigureOut">
               <a:rPr lang="fr-FR" smtClean="0"/>
-              <a:t>29/01/2025</a:t>
+              <a:t>06/02/2025</a:t>
             </a:fld>
             <a:endParaRPr lang="fr-FR"/>
           </a:p>
@@ -632,7 +632,7 @@
           <a:p>
             <a:fld id="{E6EEFC8E-C858-4FF4-9846-FA0513F6314A}" type="datetime1">
               <a:rPr lang="fr-FR" smtClean="0"/>
-              <a:t>29/01/2025</a:t>
+              <a:t>06/02/2025</a:t>
             </a:fld>
             <a:endParaRPr lang="fr-FR"/>
           </a:p>
@@ -1501,7 +1501,7 @@
           <a:p>
             <a:fld id="{3291B0B6-FFC9-40C9-9B18-C2798258C96D}" type="datetime1">
               <a:rPr lang="fr-FR" smtClean="0"/>
-              <a:t>29/01/2025</a:t>
+              <a:t>06/02/2025</a:t>
             </a:fld>
             <a:endParaRPr lang="fr-FR"/>
           </a:p>
@@ -1676,7 +1676,7 @@
           <a:p>
             <a:fld id="{644B9BBC-B1DC-444B-9898-CACC8AD00264}" type="datetime1">
               <a:rPr lang="fr-FR" smtClean="0"/>
-              <a:t>29/01/2025</a:t>
+              <a:t>06/02/2025</a:t>
             </a:fld>
             <a:endParaRPr lang="fr-FR"/>
           </a:p>
@@ -1846,7 +1846,7 @@
           <a:p>
             <a:fld id="{567C470B-6246-4EF6-8E3C-74EC9BF6074E}" type="datetime1">
               <a:rPr lang="fr-FR" smtClean="0"/>
-              <a:t>29/01/2025</a:t>
+              <a:t>06/02/2025</a:t>
             </a:fld>
             <a:endParaRPr lang="fr-FR"/>
           </a:p>
@@ -2056,7 +2056,7 @@
           <a:p>
             <a:fld id="{C4472BF8-CF08-472D-8B2E-9602E409C1EC}" type="datetime1">
               <a:rPr lang="fr-FR" smtClean="0"/>
-              <a:t>29/01/2025</a:t>
+              <a:t>06/02/2025</a:t>
             </a:fld>
             <a:endParaRPr lang="fr-FR"/>
           </a:p>
@@ -2870,7 +2870,7 @@
           <a:p>
             <a:fld id="{DB371BCF-7F36-4596-BC3D-B68D245D8614}" type="datetime1">
               <a:rPr lang="fr-FR" smtClean="0"/>
-              <a:t>29/01/2025</a:t>
+              <a:t>06/02/2025</a:t>
             </a:fld>
             <a:endParaRPr lang="fr-FR"/>
           </a:p>
@@ -3106,7 +3106,7 @@
           <a:p>
             <a:fld id="{71E9A873-C43F-45E2-B74B-D007898F0FCC}" type="datetime1">
               <a:rPr lang="fr-FR" smtClean="0"/>
-              <a:t>29/01/2025</a:t>
+              <a:t>06/02/2025</a:t>
             </a:fld>
             <a:endParaRPr lang="fr-FR"/>
           </a:p>
@@ -3429,7 +3429,7 @@
           <a:p>
             <a:fld id="{3DB1C6E6-C28D-465D-B20A-7E1ECEECDBF7}" type="datetime1">
               <a:rPr lang="fr-FR" smtClean="0"/>
-              <a:t>29/01/2025</a:t>
+              <a:t>06/02/2025</a:t>
             </a:fld>
             <a:endParaRPr lang="fr-FR"/>
           </a:p>
@@ -3519,7 +3519,7 @@
           <a:p>
             <a:fld id="{63CDABC1-3461-4362-9D28-514C9C00DE9B}" type="datetime1">
               <a:rPr lang="fr-FR" smtClean="0"/>
-              <a:t>29/01/2025</a:t>
+              <a:t>06/02/2025</a:t>
             </a:fld>
             <a:endParaRPr lang="fr-FR"/>
           </a:p>
@@ -4036,7 +4036,7 @@
           <a:p>
             <a:fld id="{CE9C5CE3-2A3F-423C-8920-8BDC12CE3C91}" type="datetime1">
               <a:rPr lang="fr-FR" smtClean="0"/>
-              <a:t>29/01/2025</a:t>
+              <a:t>06/02/2025</a:t>
             </a:fld>
             <a:endParaRPr lang="fr-FR"/>
           </a:p>
@@ -4547,7 +4547,7 @@
           <a:p>
             <a:fld id="{1674FC5C-39A8-43FA-9D99-F5D343033858}" type="datetime1">
               <a:rPr lang="fr-FR" smtClean="0"/>
-              <a:t>29/01/2025</a:t>
+              <a:t>06/02/2025</a:t>
             </a:fld>
             <a:endParaRPr lang="fr-FR"/>
           </a:p>
@@ -4792,7 +4792,7 @@
           <a:p>
             <a:fld id="{E11D4E45-D647-49D2-83F1-A7D5264FF5B4}" type="datetime1">
               <a:rPr lang="fr-FR" smtClean="0"/>
-              <a:t>29/01/2025</a:t>
+              <a:t>06/02/2025</a:t>
             </a:fld>
             <a:endParaRPr lang="fr-FR"/>
           </a:p>
@@ -9335,17 +9335,6 @@
 </file>
 
 <file path=customXml/item1.xml><?xml version="1.0" encoding="utf-8"?>
-<p:properties xmlns:p="http://schemas.microsoft.com/office/2006/metadata/properties" xmlns:xsi="http://www.w3.org/2001/XMLSchema-instance" xmlns:pc="http://schemas.microsoft.com/office/infopath/2007/PartnerControls">
-  <documentManagement>
-    <TaxCatchAll xmlns="66eaceda-cbf3-468d-8b56-0d06245bcac2" xsi:nil="true"/>
-    <lcf76f155ced4ddcb4097134ff3c332f xmlns="6080a0f0-b892-4d13-a236-ec5452db6204">
-      <Terms xmlns="http://schemas.microsoft.com/office/infopath/2007/PartnerControls"/>
-    </lcf76f155ced4ddcb4097134ff3c332f>
-  </documentManagement>
-</p:properties>
-</file>
-
-<file path=customXml/item2.xml><?xml version="1.0" encoding="utf-8"?>
 <ct:contentTypeSchema xmlns:ct="http://schemas.microsoft.com/office/2006/metadata/contentType" xmlns:ma="http://schemas.microsoft.com/office/2006/metadata/properties/metaAttributes" ct:_="" ma:_="" ma:contentTypeName="Document" ma:contentTypeID="0x010100A54D18AFC2ED4A46A0F9BA49ABF7FDFD" ma:contentTypeVersion="13" ma:contentTypeDescription="Crée un document." ma:contentTypeScope="" ma:versionID="feaba2c5717e9f9dc85dc4881b89de5b">
   <xsd:schema xmlns:xsd="http://www.w3.org/2001/XMLSchema" xmlns:xs="http://www.w3.org/2001/XMLSchema" xmlns:p="http://schemas.microsoft.com/office/2006/metadata/properties" xmlns:ns2="6080a0f0-b892-4d13-a236-ec5452db6204" xmlns:ns3="66eaceda-cbf3-468d-8b56-0d06245bcac2" targetNamespace="http://schemas.microsoft.com/office/2006/metadata/properties" ma:root="true" ma:fieldsID="0b5e33d26f4424f18b49e31c91a2c042" ns2:_="" ns3:_="">
     <xsd:import namespace="6080a0f0-b892-4d13-a236-ec5452db6204"/>
@@ -9568,6 +9557,17 @@
 </ct:contentTypeSchema>
 </file>
 
+<file path=customXml/item2.xml><?xml version="1.0" encoding="utf-8"?>
+<p:properties xmlns:p="http://schemas.microsoft.com/office/2006/metadata/properties" xmlns:xsi="http://www.w3.org/2001/XMLSchema-instance" xmlns:pc="http://schemas.microsoft.com/office/infopath/2007/PartnerControls">
+  <documentManagement>
+    <TaxCatchAll xmlns="66eaceda-cbf3-468d-8b56-0d06245bcac2" xsi:nil="true"/>
+    <lcf76f155ced4ddcb4097134ff3c332f xmlns="6080a0f0-b892-4d13-a236-ec5452db6204">
+      <Terms xmlns="http://schemas.microsoft.com/office/infopath/2007/PartnerControls"/>
+    </lcf76f155ced4ddcb4097134ff3c332f>
+  </documentManagement>
+</p:properties>
+</file>
+
 <file path=customXml/item3.xml><?xml version="1.0" encoding="utf-8"?>
 <?mso-contentType ?>
 <FormTemplates xmlns="http://schemas.microsoft.com/sharepoint/v3/contenttype/forms">
@@ -9578,23 +9578,6 @@
 </file>
 
 <file path=customXml/itemProps1.xml><?xml version="1.0" encoding="utf-8"?>
-<ds:datastoreItem xmlns:ds="http://schemas.openxmlformats.org/officeDocument/2006/customXml" ds:itemID="{224AA9C6-54BF-4617-91BB-CF4D1541547C}">
-  <ds:schemaRefs>
-    <ds:schemaRef ds:uri="http://www.w3.org/XML/1998/namespace"/>
-    <ds:schemaRef ds:uri="http://purl.org/dc/elements/1.1/"/>
-    <ds:schemaRef ds:uri="http://schemas.microsoft.com/office/infopath/2007/PartnerControls"/>
-    <ds:schemaRef ds:uri="http://purl.org/dc/terms/"/>
-    <ds:schemaRef ds:uri="http://schemas.microsoft.com/office/2006/metadata/properties"/>
-    <ds:schemaRef ds:uri="http://schemas.microsoft.com/office/2006/documentManagement/types"/>
-    <ds:schemaRef ds:uri="http://schemas.openxmlformats.org/package/2006/metadata/core-properties"/>
-    <ds:schemaRef ds:uri="http://purl.org/dc/dcmitype/"/>
-    <ds:schemaRef ds:uri="66eaceda-cbf3-468d-8b56-0d06245bcac2"/>
-    <ds:schemaRef ds:uri="6080a0f0-b892-4d13-a236-ec5452db6204"/>
-  </ds:schemaRefs>
-</ds:datastoreItem>
-</file>
-
-<file path=customXml/itemProps2.xml><?xml version="1.0" encoding="utf-8"?>
 <ds:datastoreItem xmlns:ds="http://schemas.openxmlformats.org/officeDocument/2006/customXml" ds:itemID="{06632E90-84D0-46F6-A6D4-E0C6811B0D5F}">
   <ds:schemaRefs>
     <ds:schemaRef ds:uri="http://schemas.microsoft.com/office/2006/metadata/contentType"/>
@@ -9613,6 +9596,23 @@
 </ds:datastoreItem>
 </file>
 
+<file path=customXml/itemProps2.xml><?xml version="1.0" encoding="utf-8"?>
+<ds:datastoreItem xmlns:ds="http://schemas.openxmlformats.org/officeDocument/2006/customXml" ds:itemID="{224AA9C6-54BF-4617-91BB-CF4D1541547C}">
+  <ds:schemaRefs>
+    <ds:schemaRef ds:uri="http://www.w3.org/XML/1998/namespace"/>
+    <ds:schemaRef ds:uri="http://purl.org/dc/elements/1.1/"/>
+    <ds:schemaRef ds:uri="http://schemas.microsoft.com/office/infopath/2007/PartnerControls"/>
+    <ds:schemaRef ds:uri="http://purl.org/dc/terms/"/>
+    <ds:schemaRef ds:uri="http://schemas.microsoft.com/office/2006/metadata/properties"/>
+    <ds:schemaRef ds:uri="http://schemas.microsoft.com/office/2006/documentManagement/types"/>
+    <ds:schemaRef ds:uri="http://schemas.openxmlformats.org/package/2006/metadata/core-properties"/>
+    <ds:schemaRef ds:uri="http://purl.org/dc/dcmitype/"/>
+    <ds:schemaRef ds:uri="66eaceda-cbf3-468d-8b56-0d06245bcac2"/>
+    <ds:schemaRef ds:uri="6080a0f0-b892-4d13-a236-ec5452db6204"/>
+  </ds:schemaRefs>
+</ds:datastoreItem>
+</file>
+
 <file path=customXml/itemProps3.xml><?xml version="1.0" encoding="utf-8"?>
 <ds:datastoreItem xmlns:ds="http://schemas.openxmlformats.org/officeDocument/2006/customXml" ds:itemID="{EFAAFF9B-D051-433D-96BC-F980BE269D8E}">
   <ds:schemaRefs>
